--- a/Project Presentation.pptx
+++ b/Project Presentation.pptx
@@ -267,7 +267,7 @@
           <a:p>
             <a:fld id="{0A774CF1-0D27-4D9B-B314-ADDD73107D0F}" type="datetimeFigureOut">
               <a:rPr lang="en-US" smtClean="0"/>
-              <a:t>7/13/2018</a:t>
+              <a:t>7/15/2018</a:t>
             </a:fld>
             <a:endParaRPr lang="en-US"/>
           </a:p>
@@ -465,7 +465,7 @@
           <a:p>
             <a:fld id="{0A774CF1-0D27-4D9B-B314-ADDD73107D0F}" type="datetimeFigureOut">
               <a:rPr lang="en-US" smtClean="0"/>
-              <a:t>7/13/2018</a:t>
+              <a:t>7/15/2018</a:t>
             </a:fld>
             <a:endParaRPr lang="en-US"/>
           </a:p>
@@ -673,7 +673,7 @@
           <a:p>
             <a:fld id="{0A774CF1-0D27-4D9B-B314-ADDD73107D0F}" type="datetimeFigureOut">
               <a:rPr lang="en-US" smtClean="0"/>
-              <a:t>7/13/2018</a:t>
+              <a:t>7/15/2018</a:t>
             </a:fld>
             <a:endParaRPr lang="en-US"/>
           </a:p>
@@ -796,7 +796,7 @@
           <a:noFill/>
           <a:extLst>
             <a:ext uri="{909E8E84-426E-40dd-AFC4-6F175D3DCCD1}">
-              <a14:hiddenFill xmlns:a14="http://schemas.microsoft.com/office/drawing/2010/main" xmlns="">
+              <a14:hiddenFill xmlns="" xmlns:a14="http://schemas.microsoft.com/office/drawing/2010/main">
                 <a:solidFill>
                   <a:srgbClr val="FFFFFF"/>
                 </a:solidFill>
@@ -856,7 +856,7 @@
             </a:ln>
             <a:extLst>
               <a:ext uri="{91240B29-F687-4f45-9708-019B960494DF}">
-                <a14:hiddenLine xmlns:a14="http://schemas.microsoft.com/office/drawing/2010/main" xmlns="" w="9525">
+                <a14:hiddenLine xmlns="" xmlns:a14="http://schemas.microsoft.com/office/drawing/2010/main" w="9525">
                   <a:solidFill>
                     <a:srgbClr val="000000"/>
                   </a:solidFill>
@@ -946,7 +946,7 @@
             </a:ln>
             <a:extLst>
               <a:ext uri="{91240B29-F687-4f45-9708-019B960494DF}">
-                <a14:hiddenLine xmlns:a14="http://schemas.microsoft.com/office/drawing/2010/main" xmlns="" w="9525">
+                <a14:hiddenLine xmlns="" xmlns:a14="http://schemas.microsoft.com/office/drawing/2010/main" w="9525">
                   <a:solidFill>
                     <a:srgbClr val="000000"/>
                   </a:solidFill>
@@ -1036,7 +1036,7 @@
             </a:ln>
             <a:extLst>
               <a:ext uri="{91240B29-F687-4f45-9708-019B960494DF}">
-                <a14:hiddenLine xmlns:a14="http://schemas.microsoft.com/office/drawing/2010/main" xmlns="" w="9525">
+                <a14:hiddenLine xmlns="" xmlns:a14="http://schemas.microsoft.com/office/drawing/2010/main" w="9525">
                   <a:solidFill>
                     <a:srgbClr val="000000"/>
                   </a:solidFill>
@@ -1070,7 +1070,7 @@
             </a:ln>
             <a:extLst>
               <a:ext uri="{91240B29-F687-4f45-9708-019B960494DF}">
-                <a14:hiddenLine xmlns:a14="http://schemas.microsoft.com/office/drawing/2010/main" xmlns="" w="9525">
+                <a14:hiddenLine xmlns="" xmlns:a14="http://schemas.microsoft.com/office/drawing/2010/main" w="9525">
                   <a:solidFill>
                     <a:srgbClr val="000000"/>
                   </a:solidFill>
@@ -1160,7 +1160,7 @@
             </a:ln>
             <a:extLst>
               <a:ext uri="{91240B29-F687-4f45-9708-019B960494DF}">
-                <a14:hiddenLine xmlns:a14="http://schemas.microsoft.com/office/drawing/2010/main" xmlns="" w="9525">
+                <a14:hiddenLine xmlns="" xmlns:a14="http://schemas.microsoft.com/office/drawing/2010/main" w="9525">
                   <a:solidFill>
                     <a:srgbClr val="000000"/>
                   </a:solidFill>
@@ -1222,7 +1222,7 @@
             </a:ln>
             <a:extLst>
               <a:ext uri="{91240B29-F687-4f45-9708-019B960494DF}">
-                <a14:hiddenLine xmlns:a14="http://schemas.microsoft.com/office/drawing/2010/main" xmlns="" w="9525">
+                <a14:hiddenLine xmlns="" xmlns:a14="http://schemas.microsoft.com/office/drawing/2010/main" w="9525">
                   <a:solidFill>
                     <a:srgbClr val="000000"/>
                   </a:solidFill>
@@ -1284,7 +1284,7 @@
             </a:ln>
             <a:extLst>
               <a:ext uri="{91240B29-F687-4f45-9708-019B960494DF}">
-                <a14:hiddenLine xmlns:a14="http://schemas.microsoft.com/office/drawing/2010/main" xmlns="" w="9525">
+                <a14:hiddenLine xmlns="" xmlns:a14="http://schemas.microsoft.com/office/drawing/2010/main" w="9525">
                   <a:solidFill>
                     <a:srgbClr val="000000"/>
                   </a:solidFill>
@@ -1374,7 +1374,7 @@
             </a:ln>
             <a:extLst>
               <a:ext uri="{91240B29-F687-4f45-9708-019B960494DF}">
-                <a14:hiddenLine xmlns:a14="http://schemas.microsoft.com/office/drawing/2010/main" xmlns="" w="9525">
+                <a14:hiddenLine xmlns="" xmlns:a14="http://schemas.microsoft.com/office/drawing/2010/main" w="9525">
                   <a:solidFill>
                     <a:srgbClr val="000000"/>
                   </a:solidFill>
@@ -1436,7 +1436,7 @@
             </a:ln>
             <a:extLst>
               <a:ext uri="{91240B29-F687-4f45-9708-019B960494DF}">
-                <a14:hiddenLine xmlns:a14="http://schemas.microsoft.com/office/drawing/2010/main" xmlns="" w="9525">
+                <a14:hiddenLine xmlns="" xmlns:a14="http://schemas.microsoft.com/office/drawing/2010/main" w="9525">
                   <a:solidFill>
                     <a:srgbClr val="000000"/>
                   </a:solidFill>
@@ -1498,7 +1498,7 @@
             </a:ln>
             <a:extLst>
               <a:ext uri="{91240B29-F687-4f45-9708-019B960494DF}">
-                <a14:hiddenLine xmlns:a14="http://schemas.microsoft.com/office/drawing/2010/main" xmlns="" w="9525">
+                <a14:hiddenLine xmlns="" xmlns:a14="http://schemas.microsoft.com/office/drawing/2010/main" w="9525">
                   <a:solidFill>
                     <a:srgbClr val="000000"/>
                   </a:solidFill>
@@ -1588,7 +1588,7 @@
             </a:ln>
             <a:extLst>
               <a:ext uri="{91240B29-F687-4f45-9708-019B960494DF}">
-                <a14:hiddenLine xmlns:a14="http://schemas.microsoft.com/office/drawing/2010/main" xmlns="" w="9525">
+                <a14:hiddenLine xmlns="" xmlns:a14="http://schemas.microsoft.com/office/drawing/2010/main" w="9525">
                   <a:solidFill>
                     <a:srgbClr val="000000"/>
                   </a:solidFill>
@@ -1678,7 +1678,7 @@
             </a:ln>
             <a:extLst>
               <a:ext uri="{91240B29-F687-4f45-9708-019B960494DF}">
-                <a14:hiddenLine xmlns:a14="http://schemas.microsoft.com/office/drawing/2010/main" xmlns="" w="9525">
+                <a14:hiddenLine xmlns="" xmlns:a14="http://schemas.microsoft.com/office/drawing/2010/main" w="9525">
                   <a:solidFill>
                     <a:srgbClr val="000000"/>
                   </a:solidFill>
@@ -1740,7 +1740,7 @@
             </a:ln>
             <a:extLst>
               <a:ext uri="{91240B29-F687-4f45-9708-019B960494DF}">
-                <a14:hiddenLine xmlns:a14="http://schemas.microsoft.com/office/drawing/2010/main" xmlns="" w="9525">
+                <a14:hiddenLine xmlns="" xmlns:a14="http://schemas.microsoft.com/office/drawing/2010/main" w="9525">
                   <a:solidFill>
                     <a:srgbClr val="000000"/>
                   </a:solidFill>
@@ -1850,7 +1850,7 @@
             </a:ln>
             <a:extLst>
               <a:ext uri="{91240B29-F687-4f45-9708-019B960494DF}">
-                <a14:hiddenLine xmlns:a14="http://schemas.microsoft.com/office/drawing/2010/main" xmlns="" w="9525">
+                <a14:hiddenLine xmlns="" xmlns:a14="http://schemas.microsoft.com/office/drawing/2010/main" w="9525">
                   <a:solidFill>
                     <a:srgbClr val="000000"/>
                   </a:solidFill>
@@ -1912,7 +1912,7 @@
             </a:ln>
             <a:extLst>
               <a:ext uri="{91240B29-F687-4f45-9708-019B960494DF}">
-                <a14:hiddenLine xmlns:a14="http://schemas.microsoft.com/office/drawing/2010/main" xmlns="" w="9525">
+                <a14:hiddenLine xmlns="" xmlns:a14="http://schemas.microsoft.com/office/drawing/2010/main" w="9525">
                   <a:solidFill>
                     <a:srgbClr val="000000"/>
                   </a:solidFill>
@@ -2002,7 +2002,7 @@
             </a:ln>
             <a:extLst>
               <a:ext uri="{91240B29-F687-4f45-9708-019B960494DF}">
-                <a14:hiddenLine xmlns:a14="http://schemas.microsoft.com/office/drawing/2010/main" xmlns="" w="9525">
+                <a14:hiddenLine xmlns="" xmlns:a14="http://schemas.microsoft.com/office/drawing/2010/main" w="9525">
                   <a:solidFill>
                     <a:srgbClr val="000000"/>
                   </a:solidFill>
@@ -2092,7 +2092,7 @@
             </a:ln>
             <a:extLst>
               <a:ext uri="{91240B29-F687-4f45-9708-019B960494DF}">
-                <a14:hiddenLine xmlns:a14="http://schemas.microsoft.com/office/drawing/2010/main" xmlns="" w="9525">
+                <a14:hiddenLine xmlns="" xmlns:a14="http://schemas.microsoft.com/office/drawing/2010/main" w="9525">
                   <a:solidFill>
                     <a:srgbClr val="000000"/>
                   </a:solidFill>
@@ -2154,7 +2154,7 @@
             </a:ln>
             <a:extLst>
               <a:ext uri="{91240B29-F687-4f45-9708-019B960494DF}">
-                <a14:hiddenLine xmlns:a14="http://schemas.microsoft.com/office/drawing/2010/main" xmlns="" w="9525">
+                <a14:hiddenLine xmlns="" xmlns:a14="http://schemas.microsoft.com/office/drawing/2010/main" w="9525">
                   <a:solidFill>
                     <a:srgbClr val="000000"/>
                   </a:solidFill>
@@ -2244,7 +2244,7 @@
             </a:ln>
             <a:extLst>
               <a:ext uri="{91240B29-F687-4f45-9708-019B960494DF}">
-                <a14:hiddenLine xmlns:a14="http://schemas.microsoft.com/office/drawing/2010/main" xmlns="" w="9525">
+                <a14:hiddenLine xmlns="" xmlns:a14="http://schemas.microsoft.com/office/drawing/2010/main" w="9525">
                   <a:solidFill>
                     <a:srgbClr val="000000"/>
                   </a:solidFill>
@@ -2334,7 +2334,7 @@
             </a:ln>
             <a:extLst>
               <a:ext uri="{91240B29-F687-4f45-9708-019B960494DF}">
-                <a14:hiddenLine xmlns:a14="http://schemas.microsoft.com/office/drawing/2010/main" xmlns="" w="9525">
+                <a14:hiddenLine xmlns="" xmlns:a14="http://schemas.microsoft.com/office/drawing/2010/main" w="9525">
                   <a:solidFill>
                     <a:srgbClr val="000000"/>
                   </a:solidFill>
@@ -2390,7 +2390,7 @@
             </a:ln>
             <a:extLst>
               <a:ext uri="{91240B29-F687-4f45-9708-019B960494DF}">
-                <a14:hiddenLine xmlns:a14="http://schemas.microsoft.com/office/drawing/2010/main" xmlns="" w="9525">
+                <a14:hiddenLine xmlns="" xmlns:a14="http://schemas.microsoft.com/office/drawing/2010/main" w="9525">
                   <a:solidFill>
                     <a:srgbClr val="000000"/>
                   </a:solidFill>
@@ -2480,7 +2480,7 @@
             </a:ln>
             <a:extLst>
               <a:ext uri="{91240B29-F687-4f45-9708-019B960494DF}">
-                <a14:hiddenLine xmlns:a14="http://schemas.microsoft.com/office/drawing/2010/main" xmlns="" w="9525">
+                <a14:hiddenLine xmlns="" xmlns:a14="http://schemas.microsoft.com/office/drawing/2010/main" w="9525">
                   <a:solidFill>
                     <a:srgbClr val="000000"/>
                   </a:solidFill>
@@ -2536,7 +2536,7 @@
             </a:ln>
             <a:extLst>
               <a:ext uri="{91240B29-F687-4f45-9708-019B960494DF}">
-                <a14:hiddenLine xmlns:a14="http://schemas.microsoft.com/office/drawing/2010/main" xmlns="" w="9525">
+                <a14:hiddenLine xmlns="" xmlns:a14="http://schemas.microsoft.com/office/drawing/2010/main" w="9525">
                   <a:solidFill>
                     <a:srgbClr val="000000"/>
                   </a:solidFill>
@@ -2626,7 +2626,7 @@
             </a:ln>
             <a:extLst>
               <a:ext uri="{91240B29-F687-4f45-9708-019B960494DF}">
-                <a14:hiddenLine xmlns:a14="http://schemas.microsoft.com/office/drawing/2010/main" xmlns="" w="9525">
+                <a14:hiddenLine xmlns="" xmlns:a14="http://schemas.microsoft.com/office/drawing/2010/main" w="9525">
                   <a:solidFill>
                     <a:srgbClr val="000000"/>
                   </a:solidFill>
@@ -2694,7 +2694,7 @@
             </a:ln>
             <a:extLst>
               <a:ext uri="{91240B29-F687-4f45-9708-019B960494DF}">
-                <a14:hiddenLine xmlns:a14="http://schemas.microsoft.com/office/drawing/2010/main" xmlns="" w="9525">
+                <a14:hiddenLine xmlns="" xmlns:a14="http://schemas.microsoft.com/office/drawing/2010/main" w="9525">
                   <a:solidFill>
                     <a:srgbClr val="000000"/>
                   </a:solidFill>
@@ -2784,7 +2784,7 @@
             </a:ln>
             <a:extLst>
               <a:ext uri="{91240B29-F687-4f45-9708-019B960494DF}">
-                <a14:hiddenLine xmlns:a14="http://schemas.microsoft.com/office/drawing/2010/main" xmlns="" w="9525">
+                <a14:hiddenLine xmlns="" xmlns:a14="http://schemas.microsoft.com/office/drawing/2010/main" w="9525">
                   <a:solidFill>
                     <a:srgbClr val="000000"/>
                   </a:solidFill>
@@ -2852,7 +2852,7 @@
             </a:ln>
             <a:extLst>
               <a:ext uri="{91240B29-F687-4f45-9708-019B960494DF}">
-                <a14:hiddenLine xmlns:a14="http://schemas.microsoft.com/office/drawing/2010/main" xmlns="" w="9525">
+                <a14:hiddenLine xmlns="" xmlns:a14="http://schemas.microsoft.com/office/drawing/2010/main" w="9525">
                   <a:solidFill>
                     <a:srgbClr val="000000"/>
                   </a:solidFill>
@@ -2942,7 +2942,7 @@
             </a:ln>
             <a:extLst>
               <a:ext uri="{91240B29-F687-4f45-9708-019B960494DF}">
-                <a14:hiddenLine xmlns:a14="http://schemas.microsoft.com/office/drawing/2010/main" xmlns="" w="9525">
+                <a14:hiddenLine xmlns="" xmlns:a14="http://schemas.microsoft.com/office/drawing/2010/main" w="9525">
                   <a:solidFill>
                     <a:srgbClr val="000000"/>
                   </a:solidFill>
@@ -2976,7 +2976,7 @@
             </a:ln>
             <a:extLst>
               <a:ext uri="{91240B29-F687-4f45-9708-019B960494DF}">
-                <a14:hiddenLine xmlns:a14="http://schemas.microsoft.com/office/drawing/2010/main" xmlns="" w="9525">
+                <a14:hiddenLine xmlns="" xmlns:a14="http://schemas.microsoft.com/office/drawing/2010/main" w="9525">
                   <a:solidFill>
                     <a:srgbClr val="000000"/>
                   </a:solidFill>
@@ -3066,7 +3066,7 @@
             </a:ln>
             <a:extLst>
               <a:ext uri="{91240B29-F687-4f45-9708-019B960494DF}">
-                <a14:hiddenLine xmlns:a14="http://schemas.microsoft.com/office/drawing/2010/main" xmlns="" w="9525">
+                <a14:hiddenLine xmlns="" xmlns:a14="http://schemas.microsoft.com/office/drawing/2010/main" w="9525">
                   <a:solidFill>
                     <a:srgbClr val="000000"/>
                   </a:solidFill>
@@ -3128,7 +3128,7 @@
             </a:ln>
             <a:extLst>
               <a:ext uri="{91240B29-F687-4f45-9708-019B960494DF}">
-                <a14:hiddenLine xmlns:a14="http://schemas.microsoft.com/office/drawing/2010/main" xmlns="" w="9525">
+                <a14:hiddenLine xmlns="" xmlns:a14="http://schemas.microsoft.com/office/drawing/2010/main" w="9525">
                   <a:solidFill>
                     <a:srgbClr val="000000"/>
                   </a:solidFill>
@@ -3190,7 +3190,7 @@
             </a:ln>
             <a:extLst>
               <a:ext uri="{91240B29-F687-4f45-9708-019B960494DF}">
-                <a14:hiddenLine xmlns:a14="http://schemas.microsoft.com/office/drawing/2010/main" xmlns="" w="9525">
+                <a14:hiddenLine xmlns="" xmlns:a14="http://schemas.microsoft.com/office/drawing/2010/main" w="9525">
                   <a:solidFill>
                     <a:srgbClr val="000000"/>
                   </a:solidFill>
@@ -3280,7 +3280,7 @@
             </a:ln>
             <a:extLst>
               <a:ext uri="{91240B29-F687-4f45-9708-019B960494DF}">
-                <a14:hiddenLine xmlns:a14="http://schemas.microsoft.com/office/drawing/2010/main" xmlns="" w="9525">
+                <a14:hiddenLine xmlns="" xmlns:a14="http://schemas.microsoft.com/office/drawing/2010/main" w="9525">
                   <a:solidFill>
                     <a:srgbClr val="000000"/>
                   </a:solidFill>
@@ -3348,7 +3348,7 @@
             </a:ln>
             <a:extLst>
               <a:ext uri="{91240B29-F687-4f45-9708-019B960494DF}">
-                <a14:hiddenLine xmlns:a14="http://schemas.microsoft.com/office/drawing/2010/main" xmlns="" w="9525">
+                <a14:hiddenLine xmlns="" xmlns:a14="http://schemas.microsoft.com/office/drawing/2010/main" w="9525">
                   <a:solidFill>
                     <a:srgbClr val="000000"/>
                   </a:solidFill>
@@ -3410,7 +3410,7 @@
             </a:ln>
             <a:extLst>
               <a:ext uri="{91240B29-F687-4f45-9708-019B960494DF}">
-                <a14:hiddenLine xmlns:a14="http://schemas.microsoft.com/office/drawing/2010/main" xmlns="" w="9525">
+                <a14:hiddenLine xmlns="" xmlns:a14="http://schemas.microsoft.com/office/drawing/2010/main" w="9525">
                   <a:solidFill>
                     <a:srgbClr val="000000"/>
                   </a:solidFill>
@@ -3500,7 +3500,7 @@
             </a:ln>
             <a:extLst>
               <a:ext uri="{91240B29-F687-4f45-9708-019B960494DF}">
-                <a14:hiddenLine xmlns:a14="http://schemas.microsoft.com/office/drawing/2010/main" xmlns="" w="9525">
+                <a14:hiddenLine xmlns="" xmlns:a14="http://schemas.microsoft.com/office/drawing/2010/main" w="9525">
                   <a:solidFill>
                     <a:srgbClr val="000000"/>
                   </a:solidFill>
@@ -3562,7 +3562,7 @@
             </a:ln>
             <a:extLst>
               <a:ext uri="{91240B29-F687-4f45-9708-019B960494DF}">
-                <a14:hiddenLine xmlns:a14="http://schemas.microsoft.com/office/drawing/2010/main" xmlns="" w="9525">
+                <a14:hiddenLine xmlns="" xmlns:a14="http://schemas.microsoft.com/office/drawing/2010/main" w="9525">
                   <a:solidFill>
                     <a:srgbClr val="000000"/>
                   </a:solidFill>
@@ -3652,7 +3652,7 @@
             </a:ln>
             <a:extLst>
               <a:ext uri="{91240B29-F687-4f45-9708-019B960494DF}">
-                <a14:hiddenLine xmlns:a14="http://schemas.microsoft.com/office/drawing/2010/main" xmlns="" w="9525">
+                <a14:hiddenLine xmlns="" xmlns:a14="http://schemas.microsoft.com/office/drawing/2010/main" w="9525">
                   <a:solidFill>
                     <a:srgbClr val="000000"/>
                   </a:solidFill>
@@ -3714,7 +3714,7 @@
             </a:ln>
             <a:extLst>
               <a:ext uri="{91240B29-F687-4f45-9708-019B960494DF}">
-                <a14:hiddenLine xmlns:a14="http://schemas.microsoft.com/office/drawing/2010/main" xmlns="" w="9525">
+                <a14:hiddenLine xmlns="" xmlns:a14="http://schemas.microsoft.com/office/drawing/2010/main" w="9525">
                   <a:solidFill>
                     <a:srgbClr val="000000"/>
                   </a:solidFill>
@@ -3804,7 +3804,7 @@
             </a:ln>
             <a:extLst>
               <a:ext uri="{91240B29-F687-4f45-9708-019B960494DF}">
-                <a14:hiddenLine xmlns:a14="http://schemas.microsoft.com/office/drawing/2010/main" xmlns="" w="9525">
+                <a14:hiddenLine xmlns="" xmlns:a14="http://schemas.microsoft.com/office/drawing/2010/main" w="9525">
                   <a:solidFill>
                     <a:srgbClr val="000000"/>
                   </a:solidFill>
@@ -3838,7 +3838,7 @@
             </a:ln>
             <a:extLst>
               <a:ext uri="{91240B29-F687-4f45-9708-019B960494DF}">
-                <a14:hiddenLine xmlns:a14="http://schemas.microsoft.com/office/drawing/2010/main" xmlns="" w="9525">
+                <a14:hiddenLine xmlns="" xmlns:a14="http://schemas.microsoft.com/office/drawing/2010/main" w="9525">
                   <a:solidFill>
                     <a:srgbClr val="000000"/>
                   </a:solidFill>
@@ -3903,7 +3903,7 @@
             </a:ln>
             <a:extLst>
               <a:ext uri="{91240B29-F687-4f45-9708-019B960494DF}">
-                <a14:hiddenLine xmlns:a14="http://schemas.microsoft.com/office/drawing/2010/main" xmlns="" w="9525">
+                <a14:hiddenLine xmlns="" xmlns:a14="http://schemas.microsoft.com/office/drawing/2010/main" w="9525">
                   <a:solidFill>
                     <a:srgbClr val="000000"/>
                   </a:solidFill>
@@ -3993,7 +3993,7 @@
             </a:ln>
             <a:extLst>
               <a:ext uri="{91240B29-F687-4f45-9708-019B960494DF}">
-                <a14:hiddenLine xmlns:a14="http://schemas.microsoft.com/office/drawing/2010/main" xmlns="" w="9525">
+                <a14:hiddenLine xmlns="" xmlns:a14="http://schemas.microsoft.com/office/drawing/2010/main" w="9525">
                   <a:solidFill>
                     <a:srgbClr val="000000"/>
                   </a:solidFill>
@@ -4055,7 +4055,7 @@
             </a:ln>
             <a:extLst>
               <a:ext uri="{91240B29-F687-4f45-9708-019B960494DF}">
-                <a14:hiddenLine xmlns:a14="http://schemas.microsoft.com/office/drawing/2010/main" xmlns="" w="9525">
+                <a14:hiddenLine xmlns="" xmlns:a14="http://schemas.microsoft.com/office/drawing/2010/main" w="9525">
                   <a:solidFill>
                     <a:srgbClr val="000000"/>
                   </a:solidFill>
@@ -4145,7 +4145,7 @@
             </a:ln>
             <a:extLst>
               <a:ext uri="{91240B29-F687-4f45-9708-019B960494DF}">
-                <a14:hiddenLine xmlns:a14="http://schemas.microsoft.com/office/drawing/2010/main" xmlns="" w="9525">
+                <a14:hiddenLine xmlns="" xmlns:a14="http://schemas.microsoft.com/office/drawing/2010/main" w="9525">
                   <a:solidFill>
                     <a:srgbClr val="000000"/>
                   </a:solidFill>
@@ -4235,7 +4235,7 @@
             </a:ln>
             <a:extLst>
               <a:ext uri="{91240B29-F687-4f45-9708-019B960494DF}">
-                <a14:hiddenLine xmlns:a14="http://schemas.microsoft.com/office/drawing/2010/main" xmlns="" w="9525">
+                <a14:hiddenLine xmlns="" xmlns:a14="http://schemas.microsoft.com/office/drawing/2010/main" w="9525">
                   <a:solidFill>
                     <a:srgbClr val="000000"/>
                   </a:solidFill>
@@ -4300,7 +4300,7 @@
             </a:ln>
             <a:extLst>
               <a:ext uri="{91240B29-F687-4f45-9708-019B960494DF}">
-                <a14:hiddenLine xmlns:a14="http://schemas.microsoft.com/office/drawing/2010/main" xmlns="" w="9525">
+                <a14:hiddenLine xmlns="" xmlns:a14="http://schemas.microsoft.com/office/drawing/2010/main" w="9525">
                   <a:solidFill>
                     <a:srgbClr val="000000"/>
                   </a:solidFill>
@@ -4362,7 +4362,7 @@
             </a:ln>
             <a:extLst>
               <a:ext uri="{91240B29-F687-4f45-9708-019B960494DF}">
-                <a14:hiddenLine xmlns:a14="http://schemas.microsoft.com/office/drawing/2010/main" xmlns="" w="9525">
+                <a14:hiddenLine xmlns="" xmlns:a14="http://schemas.microsoft.com/office/drawing/2010/main" w="9525">
                   <a:solidFill>
                     <a:srgbClr val="000000"/>
                   </a:solidFill>
@@ -4452,7 +4452,7 @@
             </a:ln>
             <a:extLst>
               <a:ext uri="{91240B29-F687-4f45-9708-019B960494DF}">
-                <a14:hiddenLine xmlns:a14="http://schemas.microsoft.com/office/drawing/2010/main" xmlns="" w="9525">
+                <a14:hiddenLine xmlns="" xmlns:a14="http://schemas.microsoft.com/office/drawing/2010/main" w="9525">
                   <a:solidFill>
                     <a:srgbClr val="000000"/>
                   </a:solidFill>
@@ -4542,7 +4542,7 @@
             </a:ln>
             <a:extLst>
               <a:ext uri="{91240B29-F687-4f45-9708-019B960494DF}">
-                <a14:hiddenLine xmlns:a14="http://schemas.microsoft.com/office/drawing/2010/main" xmlns="" w="9525">
+                <a14:hiddenLine xmlns="" xmlns:a14="http://schemas.microsoft.com/office/drawing/2010/main" w="9525">
                   <a:solidFill>
                     <a:srgbClr val="000000"/>
                   </a:solidFill>
@@ -4604,7 +4604,7 @@
             </a:ln>
             <a:extLst>
               <a:ext uri="{91240B29-F687-4f45-9708-019B960494DF}">
-                <a14:hiddenLine xmlns:a14="http://schemas.microsoft.com/office/drawing/2010/main" xmlns="" w="9525">
+                <a14:hiddenLine xmlns="" xmlns:a14="http://schemas.microsoft.com/office/drawing/2010/main" w="9525">
                   <a:solidFill>
                     <a:srgbClr val="000000"/>
                   </a:solidFill>
@@ -4724,7 +4724,7 @@
             </a:ln>
             <a:extLst>
               <a:ext uri="{91240B29-F687-4f45-9708-019B960494DF}">
-                <a14:hiddenLine xmlns:a14="http://schemas.microsoft.com/office/drawing/2010/main" xmlns="" w="9525">
+                <a14:hiddenLine xmlns="" xmlns:a14="http://schemas.microsoft.com/office/drawing/2010/main" w="9525">
                   <a:solidFill>
                     <a:srgbClr val="000000"/>
                   </a:solidFill>
@@ -4792,7 +4792,7 @@
             </a:ln>
             <a:extLst>
               <a:ext uri="{91240B29-F687-4f45-9708-019B960494DF}">
-                <a14:hiddenLine xmlns:a14="http://schemas.microsoft.com/office/drawing/2010/main" xmlns="" w="9525">
+                <a14:hiddenLine xmlns="" xmlns:a14="http://schemas.microsoft.com/office/drawing/2010/main" w="9525">
                   <a:solidFill>
                     <a:srgbClr val="000000"/>
                   </a:solidFill>
@@ -4882,7 +4882,7 @@
             </a:ln>
             <a:extLst>
               <a:ext uri="{91240B29-F687-4f45-9708-019B960494DF}">
-                <a14:hiddenLine xmlns:a14="http://schemas.microsoft.com/office/drawing/2010/main" xmlns="" w="9525">
+                <a14:hiddenLine xmlns="" xmlns:a14="http://schemas.microsoft.com/office/drawing/2010/main" w="9525">
                   <a:solidFill>
                     <a:srgbClr val="000000"/>
                   </a:solidFill>
@@ -5022,7 +5022,7 @@
           <a:p>
             <a:fld id="{0A774CF1-0D27-4D9B-B314-ADDD73107D0F}" type="datetimeFigureOut">
               <a:rPr lang="en-US" smtClean="0"/>
-              <a:t>7/13/2018</a:t>
+              <a:t>7/15/2018</a:t>
             </a:fld>
             <a:endParaRPr lang="en-US"/>
           </a:p>
@@ -5202,7 +5202,7 @@
           <a:p>
             <a:fld id="{0A774CF1-0D27-4D9B-B314-ADDD73107D0F}" type="datetimeFigureOut">
               <a:rPr lang="en-US" smtClean="0"/>
-              <a:t>7/13/2018</a:t>
+              <a:t>7/15/2018</a:t>
             </a:fld>
             <a:endParaRPr lang="en-US"/>
           </a:p>
@@ -5452,7 +5452,7 @@
           <a:p>
             <a:fld id="{0A774CF1-0D27-4D9B-B314-ADDD73107D0F}" type="datetimeFigureOut">
               <a:rPr lang="en-US" smtClean="0"/>
-              <a:t>7/13/2018</a:t>
+              <a:t>7/15/2018</a:t>
             </a:fld>
             <a:endParaRPr lang="en-US"/>
           </a:p>
@@ -5684,7 +5684,7 @@
           <a:p>
             <a:fld id="{0A774CF1-0D27-4D9B-B314-ADDD73107D0F}" type="datetimeFigureOut">
               <a:rPr lang="en-US" smtClean="0"/>
-              <a:t>7/13/2018</a:t>
+              <a:t>7/15/2018</a:t>
             </a:fld>
             <a:endParaRPr lang="en-US"/>
           </a:p>
@@ -6065,7 +6065,7 @@
           <a:p>
             <a:fld id="{0A774CF1-0D27-4D9B-B314-ADDD73107D0F}" type="datetimeFigureOut">
               <a:rPr lang="en-US" smtClean="0"/>
-              <a:t>7/13/2018</a:t>
+              <a:t>7/15/2018</a:t>
             </a:fld>
             <a:endParaRPr lang="en-US"/>
           </a:p>
@@ -6183,7 +6183,7 @@
           <a:p>
             <a:fld id="{0A774CF1-0D27-4D9B-B314-ADDD73107D0F}" type="datetimeFigureOut">
               <a:rPr lang="en-US" smtClean="0"/>
-              <a:t>7/13/2018</a:t>
+              <a:t>7/15/2018</a:t>
             </a:fld>
             <a:endParaRPr lang="en-US"/>
           </a:p>
@@ -6278,7 +6278,7 @@
           <a:p>
             <a:fld id="{0A774CF1-0D27-4D9B-B314-ADDD73107D0F}" type="datetimeFigureOut">
               <a:rPr lang="en-US" smtClean="0"/>
-              <a:t>7/13/2018</a:t>
+              <a:t>7/15/2018</a:t>
             </a:fld>
             <a:endParaRPr lang="en-US"/>
           </a:p>
@@ -6527,7 +6527,7 @@
           <a:p>
             <a:fld id="{0A774CF1-0D27-4D9B-B314-ADDD73107D0F}" type="datetimeFigureOut">
               <a:rPr lang="en-US" smtClean="0"/>
-              <a:t>7/13/2018</a:t>
+              <a:t>7/15/2018</a:t>
             </a:fld>
             <a:endParaRPr lang="en-US"/>
           </a:p>
@@ -6713,7 +6713,7 @@
           <a:p>
             <a:fld id="{0A774CF1-0D27-4D9B-B314-ADDD73107D0F}" type="datetimeFigureOut">
               <a:rPr lang="en-US" smtClean="0"/>
-              <a:t>7/13/2018</a:t>
+              <a:t>7/15/2018</a:t>
             </a:fld>
             <a:endParaRPr lang="en-US"/>
           </a:p>
@@ -7005,7 +7005,7 @@
           <a:p>
             <a:fld id="{0A774CF1-0D27-4D9B-B314-ADDD73107D0F}" type="datetimeFigureOut">
               <a:rPr lang="en-US" smtClean="0"/>
-              <a:t>7/13/2018</a:t>
+              <a:t>7/15/2018</a:t>
             </a:fld>
             <a:endParaRPr lang="en-US"/>
           </a:p>
@@ -7262,7 +7262,7 @@
           <a:p>
             <a:fld id="{0A774CF1-0D27-4D9B-B314-ADDD73107D0F}" type="datetimeFigureOut">
               <a:rPr lang="en-US" smtClean="0"/>
-              <a:t>7/13/2018</a:t>
+              <a:t>7/15/2018</a:t>
             </a:fld>
             <a:endParaRPr lang="en-US"/>
           </a:p>
@@ -7458,7 +7458,7 @@
           <a:p>
             <a:fld id="{0A774CF1-0D27-4D9B-B314-ADDD73107D0F}" type="datetimeFigureOut">
               <a:rPr lang="en-US" smtClean="0"/>
-              <a:t>7/13/2018</a:t>
+              <a:t>7/15/2018</a:t>
             </a:fld>
             <a:endParaRPr lang="en-US"/>
           </a:p>
@@ -7721,7 +7721,7 @@
           <a:p>
             <a:fld id="{0A774CF1-0D27-4D9B-B314-ADDD73107D0F}" type="datetimeFigureOut">
               <a:rPr lang="en-US" smtClean="0"/>
-              <a:t>7/13/2018</a:t>
+              <a:t>7/15/2018</a:t>
             </a:fld>
             <a:endParaRPr lang="en-US"/>
           </a:p>
@@ -8155,7 +8155,7 @@
           <a:p>
             <a:fld id="{0A774CF1-0D27-4D9B-B314-ADDD73107D0F}" type="datetimeFigureOut">
               <a:rPr lang="en-US" smtClean="0"/>
-              <a:t>7/13/2018</a:t>
+              <a:t>7/15/2018</a:t>
             </a:fld>
             <a:endParaRPr lang="en-US"/>
           </a:p>
@@ -8701,7 +8701,7 @@
           <a:p>
             <a:fld id="{0A774CF1-0D27-4D9B-B314-ADDD73107D0F}" type="datetimeFigureOut">
               <a:rPr lang="en-US" smtClean="0"/>
-              <a:t>7/13/2018</a:t>
+              <a:t>7/15/2018</a:t>
             </a:fld>
             <a:endParaRPr lang="en-US"/>
           </a:p>
@@ -9421,7 +9421,7 @@
           <a:p>
             <a:fld id="{0A774CF1-0D27-4D9B-B314-ADDD73107D0F}" type="datetimeFigureOut">
               <a:rPr lang="en-US" smtClean="0"/>
-              <a:t>7/13/2018</a:t>
+              <a:t>7/15/2018</a:t>
             </a:fld>
             <a:endParaRPr lang="en-US"/>
           </a:p>
@@ -9591,7 +9591,7 @@
           <a:p>
             <a:fld id="{0A774CF1-0D27-4D9B-B314-ADDD73107D0F}" type="datetimeFigureOut">
               <a:rPr lang="en-US" smtClean="0"/>
-              <a:t>7/13/2018</a:t>
+              <a:t>7/15/2018</a:t>
             </a:fld>
             <a:endParaRPr lang="en-US"/>
           </a:p>
@@ -9771,7 +9771,7 @@
           <a:p>
             <a:fld id="{0A774CF1-0D27-4D9B-B314-ADDD73107D0F}" type="datetimeFigureOut">
               <a:rPr lang="en-US" smtClean="0"/>
-              <a:t>7/13/2018</a:t>
+              <a:t>7/15/2018</a:t>
             </a:fld>
             <a:endParaRPr lang="en-US"/>
           </a:p>
@@ -10034,7 +10034,7 @@
           <a:p>
             <a:fld id="{0A774CF1-0D27-4D9B-B314-ADDD73107D0F}" type="datetimeFigureOut">
               <a:rPr lang="en-US" smtClean="0"/>
-              <a:t>7/13/2018</a:t>
+              <a:t>7/15/2018</a:t>
             </a:fld>
             <a:endParaRPr lang="en-US"/>
           </a:p>
@@ -10299,7 +10299,7 @@
           <a:p>
             <a:fld id="{0A774CF1-0D27-4D9B-B314-ADDD73107D0F}" type="datetimeFigureOut">
               <a:rPr lang="en-US" smtClean="0"/>
-              <a:t>7/13/2018</a:t>
+              <a:t>7/15/2018</a:t>
             </a:fld>
             <a:endParaRPr lang="en-US"/>
           </a:p>
@@ -10711,7 +10711,7 @@
           <a:p>
             <a:fld id="{0A774CF1-0D27-4D9B-B314-ADDD73107D0F}" type="datetimeFigureOut">
               <a:rPr lang="en-US" smtClean="0"/>
-              <a:t>7/13/2018</a:t>
+              <a:t>7/15/2018</a:t>
             </a:fld>
             <a:endParaRPr lang="en-US"/>
           </a:p>
@@ -10852,7 +10852,7 @@
           <a:p>
             <a:fld id="{0A774CF1-0D27-4D9B-B314-ADDD73107D0F}" type="datetimeFigureOut">
               <a:rPr lang="en-US" smtClean="0"/>
-              <a:t>7/13/2018</a:t>
+              <a:t>7/15/2018</a:t>
             </a:fld>
             <a:endParaRPr lang="en-US"/>
           </a:p>
@@ -10965,7 +10965,7 @@
           <a:p>
             <a:fld id="{0A774CF1-0D27-4D9B-B314-ADDD73107D0F}" type="datetimeFigureOut">
               <a:rPr lang="en-US" smtClean="0"/>
-              <a:t>7/13/2018</a:t>
+              <a:t>7/15/2018</a:t>
             </a:fld>
             <a:endParaRPr lang="en-US"/>
           </a:p>
@@ -11276,7 +11276,7 @@
           <a:p>
             <a:fld id="{0A774CF1-0D27-4D9B-B314-ADDD73107D0F}" type="datetimeFigureOut">
               <a:rPr lang="en-US" smtClean="0"/>
-              <a:t>7/13/2018</a:t>
+              <a:t>7/15/2018</a:t>
             </a:fld>
             <a:endParaRPr lang="en-US"/>
           </a:p>
@@ -11564,7 +11564,7 @@
           <a:p>
             <a:fld id="{0A774CF1-0D27-4D9B-B314-ADDD73107D0F}" type="datetimeFigureOut">
               <a:rPr lang="en-US" smtClean="0"/>
-              <a:t>7/13/2018</a:t>
+              <a:t>7/15/2018</a:t>
             </a:fld>
             <a:endParaRPr lang="en-US"/>
           </a:p>
@@ -11805,7 +11805,7 @@
           <a:p>
             <a:fld id="{0A774CF1-0D27-4D9B-B314-ADDD73107D0F}" type="datetimeFigureOut">
               <a:rPr lang="en-US" smtClean="0"/>
-              <a:t>7/13/2018</a:t>
+              <a:t>7/15/2018</a:t>
             </a:fld>
             <a:endParaRPr lang="en-US"/>
           </a:p>
@@ -12260,7 +12260,7 @@
           <a:noFill/>
           <a:extLst>
             <a:ext uri="{909E8E84-426E-40dd-AFC4-6F175D3DCCD1}">
-              <a14:hiddenFill xmlns:a14="http://schemas.microsoft.com/office/drawing/2010/main" xmlns="">
+              <a14:hiddenFill xmlns="" xmlns:a14="http://schemas.microsoft.com/office/drawing/2010/main">
                 <a:solidFill>
                   <a:srgbClr val="FFFFFF"/>
                 </a:solidFill>
@@ -12334,7 +12334,7 @@
               </a:ln>
               <a:extLst>
                 <a:ext uri="{91240B29-F687-4f45-9708-019B960494DF}">
-                  <a14:hiddenLine xmlns:a14="http://schemas.microsoft.com/office/drawing/2010/main" xmlns="" w="9525">
+                  <a14:hiddenLine xmlns="" xmlns:a14="http://schemas.microsoft.com/office/drawing/2010/main" w="9525">
                     <a:solidFill>
                       <a:srgbClr val="000000"/>
                     </a:solidFill>
@@ -12424,7 +12424,7 @@
               </a:ln>
               <a:extLst>
                 <a:ext uri="{91240B29-F687-4f45-9708-019B960494DF}">
-                  <a14:hiddenLine xmlns:a14="http://schemas.microsoft.com/office/drawing/2010/main" xmlns="" w="9525">
+                  <a14:hiddenLine xmlns="" xmlns:a14="http://schemas.microsoft.com/office/drawing/2010/main" w="9525">
                     <a:solidFill>
                       <a:srgbClr val="000000"/>
                     </a:solidFill>
@@ -12514,7 +12514,7 @@
               </a:ln>
               <a:extLst>
                 <a:ext uri="{91240B29-F687-4f45-9708-019B960494DF}">
-                  <a14:hiddenLine xmlns:a14="http://schemas.microsoft.com/office/drawing/2010/main" xmlns="" w="9525">
+                  <a14:hiddenLine xmlns="" xmlns:a14="http://schemas.microsoft.com/office/drawing/2010/main" w="9525">
                     <a:solidFill>
                       <a:srgbClr val="000000"/>
                     </a:solidFill>
@@ -12576,7 +12576,7 @@
               </a:ln>
               <a:extLst>
                 <a:ext uri="{91240B29-F687-4f45-9708-019B960494DF}">
-                  <a14:hiddenLine xmlns:a14="http://schemas.microsoft.com/office/drawing/2010/main" xmlns="" w="9525">
+                  <a14:hiddenLine xmlns="" xmlns:a14="http://schemas.microsoft.com/office/drawing/2010/main" w="9525">
                     <a:solidFill>
                       <a:srgbClr val="000000"/>
                     </a:solidFill>
@@ -12666,7 +12666,7 @@
               </a:ln>
               <a:extLst>
                 <a:ext uri="{91240B29-F687-4f45-9708-019B960494DF}">
-                  <a14:hiddenLine xmlns:a14="http://schemas.microsoft.com/office/drawing/2010/main" xmlns="" w="9525">
+                  <a14:hiddenLine xmlns="" xmlns:a14="http://schemas.microsoft.com/office/drawing/2010/main" w="9525">
                     <a:solidFill>
                       <a:srgbClr val="000000"/>
                     </a:solidFill>
@@ -12728,7 +12728,7 @@
               </a:ln>
               <a:extLst>
                 <a:ext uri="{91240B29-F687-4f45-9708-019B960494DF}">
-                  <a14:hiddenLine xmlns:a14="http://schemas.microsoft.com/office/drawing/2010/main" xmlns="" w="9525">
+                  <a14:hiddenLine xmlns="" xmlns:a14="http://schemas.microsoft.com/office/drawing/2010/main" w="9525">
                     <a:solidFill>
                       <a:srgbClr val="000000"/>
                     </a:solidFill>
@@ -12790,7 +12790,7 @@
               </a:ln>
               <a:extLst>
                 <a:ext uri="{91240B29-F687-4f45-9708-019B960494DF}">
-                  <a14:hiddenLine xmlns:a14="http://schemas.microsoft.com/office/drawing/2010/main" xmlns="" w="9525">
+                  <a14:hiddenLine xmlns="" xmlns:a14="http://schemas.microsoft.com/office/drawing/2010/main" w="9525">
                     <a:solidFill>
                       <a:srgbClr val="000000"/>
                     </a:solidFill>
@@ -12880,7 +12880,7 @@
               </a:ln>
               <a:extLst>
                 <a:ext uri="{91240B29-F687-4f45-9708-019B960494DF}">
-                  <a14:hiddenLine xmlns:a14="http://schemas.microsoft.com/office/drawing/2010/main" xmlns="" w="9525">
+                  <a14:hiddenLine xmlns="" xmlns:a14="http://schemas.microsoft.com/office/drawing/2010/main" w="9525">
                     <a:solidFill>
                       <a:srgbClr val="000000"/>
                     </a:solidFill>
@@ -12970,7 +12970,7 @@
               </a:ln>
               <a:extLst>
                 <a:ext uri="{91240B29-F687-4f45-9708-019B960494DF}">
-                  <a14:hiddenLine xmlns:a14="http://schemas.microsoft.com/office/drawing/2010/main" xmlns="" w="9525">
+                  <a14:hiddenLine xmlns="" xmlns:a14="http://schemas.microsoft.com/office/drawing/2010/main" w="9525">
                     <a:solidFill>
                       <a:srgbClr val="000000"/>
                     </a:solidFill>
@@ -13032,7 +13032,7 @@
               </a:ln>
               <a:extLst>
                 <a:ext uri="{91240B29-F687-4f45-9708-019B960494DF}">
-                  <a14:hiddenLine xmlns:a14="http://schemas.microsoft.com/office/drawing/2010/main" xmlns="" w="9525">
+                  <a14:hiddenLine xmlns="" xmlns:a14="http://schemas.microsoft.com/office/drawing/2010/main" w="9525">
                     <a:solidFill>
                       <a:srgbClr val="000000"/>
                     </a:solidFill>
@@ -13142,7 +13142,7 @@
               </a:ln>
               <a:extLst>
                 <a:ext uri="{91240B29-F687-4f45-9708-019B960494DF}">
-                  <a14:hiddenLine xmlns:a14="http://schemas.microsoft.com/office/drawing/2010/main" xmlns="" w="9525">
+                  <a14:hiddenLine xmlns="" xmlns:a14="http://schemas.microsoft.com/office/drawing/2010/main" w="9525">
                     <a:solidFill>
                       <a:srgbClr val="000000"/>
                     </a:solidFill>
@@ -13226,7 +13226,7 @@
               </a:ln>
               <a:extLst>
                 <a:ext uri="{91240B29-F687-4f45-9708-019B960494DF}">
-                  <a14:hiddenLine xmlns:a14="http://schemas.microsoft.com/office/drawing/2010/main" xmlns="" w="9525">
+                  <a14:hiddenLine xmlns="" xmlns:a14="http://schemas.microsoft.com/office/drawing/2010/main" w="9525">
                     <a:solidFill>
                       <a:srgbClr val="000000"/>
                     </a:solidFill>
@@ -13288,7 +13288,7 @@
               </a:ln>
               <a:extLst>
                 <a:ext uri="{91240B29-F687-4f45-9708-019B960494DF}">
-                  <a14:hiddenLine xmlns:a14="http://schemas.microsoft.com/office/drawing/2010/main" xmlns="" w="9525">
+                  <a14:hiddenLine xmlns="" xmlns:a14="http://schemas.microsoft.com/office/drawing/2010/main" w="9525">
                     <a:solidFill>
                       <a:srgbClr val="000000"/>
                     </a:solidFill>
@@ -13350,7 +13350,7 @@
               </a:ln>
               <a:extLst>
                 <a:ext uri="{91240B29-F687-4f45-9708-019B960494DF}">
-                  <a14:hiddenLine xmlns:a14="http://schemas.microsoft.com/office/drawing/2010/main" xmlns="" w="9525">
+                  <a14:hiddenLine xmlns="" xmlns:a14="http://schemas.microsoft.com/office/drawing/2010/main" w="9525">
                     <a:solidFill>
                       <a:srgbClr val="000000"/>
                     </a:solidFill>
@@ -13440,7 +13440,7 @@
               </a:ln>
               <a:extLst>
                 <a:ext uri="{91240B29-F687-4f45-9708-019B960494DF}">
-                  <a14:hiddenLine xmlns:a14="http://schemas.microsoft.com/office/drawing/2010/main" xmlns="" w="9525">
+                  <a14:hiddenLine xmlns="" xmlns:a14="http://schemas.microsoft.com/office/drawing/2010/main" w="9525">
                     <a:solidFill>
                       <a:srgbClr val="000000"/>
                     </a:solidFill>
@@ -13474,7 +13474,7 @@
               </a:ln>
               <a:extLst>
                 <a:ext uri="{91240B29-F687-4f45-9708-019B960494DF}">
-                  <a14:hiddenLine xmlns:a14="http://schemas.microsoft.com/office/drawing/2010/main" xmlns="" w="9525">
+                  <a14:hiddenLine xmlns="" xmlns:a14="http://schemas.microsoft.com/office/drawing/2010/main" w="9525">
                     <a:solidFill>
                       <a:srgbClr val="000000"/>
                     </a:solidFill>
@@ -13539,7 +13539,7 @@
               </a:ln>
               <a:extLst>
                 <a:ext uri="{91240B29-F687-4f45-9708-019B960494DF}">
-                  <a14:hiddenLine xmlns:a14="http://schemas.microsoft.com/office/drawing/2010/main" xmlns="" w="9525">
+                  <a14:hiddenLine xmlns="" xmlns:a14="http://schemas.microsoft.com/office/drawing/2010/main" w="9525">
                     <a:solidFill>
                       <a:srgbClr val="000000"/>
                     </a:solidFill>
@@ -13629,7 +13629,7 @@
               </a:ln>
               <a:extLst>
                 <a:ext uri="{91240B29-F687-4f45-9708-019B960494DF}">
-                  <a14:hiddenLine xmlns:a14="http://schemas.microsoft.com/office/drawing/2010/main" xmlns="" w="9525">
+                  <a14:hiddenLine xmlns="" xmlns:a14="http://schemas.microsoft.com/office/drawing/2010/main" w="9525">
                     <a:solidFill>
                       <a:srgbClr val="000000"/>
                     </a:solidFill>
@@ -13691,7 +13691,7 @@
               </a:ln>
               <a:extLst>
                 <a:ext uri="{91240B29-F687-4f45-9708-019B960494DF}">
-                  <a14:hiddenLine xmlns:a14="http://schemas.microsoft.com/office/drawing/2010/main" xmlns="" w="9525">
+                  <a14:hiddenLine xmlns="" xmlns:a14="http://schemas.microsoft.com/office/drawing/2010/main" w="9525">
                     <a:solidFill>
                       <a:srgbClr val="000000"/>
                     </a:solidFill>
@@ -13781,7 +13781,7 @@
               </a:ln>
               <a:extLst>
                 <a:ext uri="{91240B29-F687-4f45-9708-019B960494DF}">
-                  <a14:hiddenLine xmlns:a14="http://schemas.microsoft.com/office/drawing/2010/main" xmlns="" w="9525">
+                  <a14:hiddenLine xmlns="" xmlns:a14="http://schemas.microsoft.com/office/drawing/2010/main" w="9525">
                     <a:solidFill>
                       <a:srgbClr val="000000"/>
                     </a:solidFill>
@@ -13846,7 +13846,7 @@
               </a:ln>
               <a:extLst>
                 <a:ext uri="{91240B29-F687-4f45-9708-019B960494DF}">
-                  <a14:hiddenLine xmlns:a14="http://schemas.microsoft.com/office/drawing/2010/main" xmlns="" w="9525">
+                  <a14:hiddenLine xmlns="" xmlns:a14="http://schemas.microsoft.com/office/drawing/2010/main" w="9525">
                     <a:solidFill>
                       <a:srgbClr val="000000"/>
                     </a:solidFill>
@@ -13908,7 +13908,7 @@
               </a:ln>
               <a:extLst>
                 <a:ext uri="{91240B29-F687-4f45-9708-019B960494DF}">
-                  <a14:hiddenLine xmlns:a14="http://schemas.microsoft.com/office/drawing/2010/main" xmlns="" w="9525">
+                  <a14:hiddenLine xmlns="" xmlns:a14="http://schemas.microsoft.com/office/drawing/2010/main" w="9525">
                     <a:solidFill>
                       <a:srgbClr val="000000"/>
                     </a:solidFill>
@@ -13998,7 +13998,7 @@
               </a:ln>
               <a:extLst>
                 <a:ext uri="{91240B29-F687-4f45-9708-019B960494DF}">
-                  <a14:hiddenLine xmlns:a14="http://schemas.microsoft.com/office/drawing/2010/main" xmlns="" w="9525">
+                  <a14:hiddenLine xmlns="" xmlns:a14="http://schemas.microsoft.com/office/drawing/2010/main" w="9525">
                     <a:solidFill>
                       <a:srgbClr val="000000"/>
                     </a:solidFill>
@@ -14088,7 +14088,7 @@
               </a:ln>
               <a:extLst>
                 <a:ext uri="{91240B29-F687-4f45-9708-019B960494DF}">
-                  <a14:hiddenLine xmlns:a14="http://schemas.microsoft.com/office/drawing/2010/main" xmlns="" w="9525">
+                  <a14:hiddenLine xmlns="" xmlns:a14="http://schemas.microsoft.com/office/drawing/2010/main" w="9525">
                     <a:solidFill>
                       <a:srgbClr val="000000"/>
                     </a:solidFill>
@@ -14153,7 +14153,7 @@
               </a:ln>
               <a:extLst>
                 <a:ext uri="{91240B29-F687-4f45-9708-019B960494DF}">
-                  <a14:hiddenLine xmlns:a14="http://schemas.microsoft.com/office/drawing/2010/main" xmlns="" w="9525">
+                  <a14:hiddenLine xmlns="" xmlns:a14="http://schemas.microsoft.com/office/drawing/2010/main" w="9525">
                     <a:solidFill>
                       <a:srgbClr val="000000"/>
                     </a:solidFill>
@@ -14273,7 +14273,7 @@
               </a:ln>
               <a:extLst>
                 <a:ext uri="{91240B29-F687-4f45-9708-019B960494DF}">
-                  <a14:hiddenLine xmlns:a14="http://schemas.microsoft.com/office/drawing/2010/main" xmlns="" w="9525">
+                  <a14:hiddenLine xmlns="" xmlns:a14="http://schemas.microsoft.com/office/drawing/2010/main" w="9525">
                     <a:solidFill>
                       <a:srgbClr val="000000"/>
                     </a:solidFill>
@@ -14371,7 +14371,7 @@
               </a:ln>
               <a:extLst>
                 <a:ext uri="{91240B29-F687-4f45-9708-019B960494DF}">
-                  <a14:hiddenLine xmlns:a14="http://schemas.microsoft.com/office/drawing/2010/main" xmlns="" w="9525">
+                  <a14:hiddenLine xmlns="" xmlns:a14="http://schemas.microsoft.com/office/drawing/2010/main" w="9525">
                     <a:solidFill>
                       <a:srgbClr val="000000"/>
                     </a:solidFill>
@@ -14486,7 +14486,7 @@
               </a:ln>
               <a:extLst>
                 <a:ext uri="{91240B29-F687-4f45-9708-019B960494DF}">
-                  <a14:hiddenLine xmlns:a14="http://schemas.microsoft.com/office/drawing/2010/main" xmlns="" w="9525">
+                  <a14:hiddenLine xmlns="" xmlns:a14="http://schemas.microsoft.com/office/drawing/2010/main" w="9525">
                     <a:solidFill>
                       <a:srgbClr val="000000"/>
                     </a:solidFill>
@@ -14576,7 +14576,7 @@
               </a:ln>
               <a:extLst>
                 <a:ext uri="{91240B29-F687-4f45-9708-019B960494DF}">
-                  <a14:hiddenLine xmlns:a14="http://schemas.microsoft.com/office/drawing/2010/main" xmlns="" w="9525">
+                  <a14:hiddenLine xmlns="" xmlns:a14="http://schemas.microsoft.com/office/drawing/2010/main" w="9525">
                     <a:solidFill>
                       <a:srgbClr val="000000"/>
                     </a:solidFill>
@@ -14641,7 +14641,7 @@
               </a:ln>
               <a:extLst>
                 <a:ext uri="{91240B29-F687-4f45-9708-019B960494DF}">
-                  <a14:hiddenLine xmlns:a14="http://schemas.microsoft.com/office/drawing/2010/main" xmlns="" w="9525">
+                  <a14:hiddenLine xmlns="" xmlns:a14="http://schemas.microsoft.com/office/drawing/2010/main" w="9525">
                     <a:solidFill>
                       <a:srgbClr val="000000"/>
                     </a:solidFill>
@@ -14731,7 +14731,7 @@
               </a:ln>
               <a:extLst>
                 <a:ext uri="{91240B29-F687-4f45-9708-019B960494DF}">
-                  <a14:hiddenLine xmlns:a14="http://schemas.microsoft.com/office/drawing/2010/main" xmlns="" w="9525">
+                  <a14:hiddenLine xmlns="" xmlns:a14="http://schemas.microsoft.com/office/drawing/2010/main" w="9525">
                     <a:solidFill>
                       <a:srgbClr val="000000"/>
                     </a:solidFill>
@@ -14799,7 +14799,7 @@
               </a:ln>
               <a:extLst>
                 <a:ext uri="{91240B29-F687-4f45-9708-019B960494DF}">
-                  <a14:hiddenLine xmlns:a14="http://schemas.microsoft.com/office/drawing/2010/main" xmlns="" w="9525">
+                  <a14:hiddenLine xmlns="" xmlns:a14="http://schemas.microsoft.com/office/drawing/2010/main" w="9525">
                     <a:solidFill>
                       <a:srgbClr val="000000"/>
                     </a:solidFill>
@@ -14889,7 +14889,7 @@
               </a:ln>
               <a:extLst>
                 <a:ext uri="{91240B29-F687-4f45-9708-019B960494DF}">
-                  <a14:hiddenLine xmlns:a14="http://schemas.microsoft.com/office/drawing/2010/main" xmlns="" w="9525">
+                  <a14:hiddenLine xmlns="" xmlns:a14="http://schemas.microsoft.com/office/drawing/2010/main" w="9525">
                     <a:solidFill>
                       <a:srgbClr val="000000"/>
                     </a:solidFill>
@@ -14957,7 +14957,7 @@
               </a:ln>
               <a:extLst>
                 <a:ext uri="{91240B29-F687-4f45-9708-019B960494DF}">
-                  <a14:hiddenLine xmlns:a14="http://schemas.microsoft.com/office/drawing/2010/main" xmlns="" w="9525">
+                  <a14:hiddenLine xmlns="" xmlns:a14="http://schemas.microsoft.com/office/drawing/2010/main" w="9525">
                     <a:solidFill>
                       <a:srgbClr val="000000"/>
                     </a:solidFill>
@@ -15047,7 +15047,7 @@
               </a:ln>
               <a:extLst>
                 <a:ext uri="{91240B29-F687-4f45-9708-019B960494DF}">
-                  <a14:hiddenLine xmlns:a14="http://schemas.microsoft.com/office/drawing/2010/main" xmlns="" w="9525">
+                  <a14:hiddenLine xmlns="" xmlns:a14="http://schemas.microsoft.com/office/drawing/2010/main" w="9525">
                     <a:solidFill>
                       <a:srgbClr val="000000"/>
                     </a:solidFill>
@@ -15081,7 +15081,7 @@
               </a:ln>
               <a:extLst>
                 <a:ext uri="{91240B29-F687-4f45-9708-019B960494DF}">
-                  <a14:hiddenLine xmlns:a14="http://schemas.microsoft.com/office/drawing/2010/main" xmlns="" w="9525">
+                  <a14:hiddenLine xmlns="" xmlns:a14="http://schemas.microsoft.com/office/drawing/2010/main" w="9525">
                     <a:solidFill>
                       <a:srgbClr val="000000"/>
                     </a:solidFill>
@@ -15221,7 +15221,7 @@
           <a:p>
             <a:fld id="{0A774CF1-0D27-4D9B-B314-ADDD73107D0F}" type="datetimeFigureOut">
               <a:rPr lang="en-US" smtClean="0"/>
-              <a:t>7/13/2018</a:t>
+              <a:t>7/15/2018</a:t>
             </a:fld>
             <a:endParaRPr lang="en-US"/>
           </a:p>
